--- a/Samples/PowerPoint/Image.pptx
+++ b/Samples/PowerPoint/Image.pptx
@@ -259,7 +259,7 @@
           <a:p>
             <a:fld id="{B30ADAA9-12D7-4598-9FBD-452081D99B71}" type="datetimeFigureOut">
               <a:rPr lang="en-US" smtClean="0"/>
-              <a:t>6/30/2019</a:t>
+              <a:t>4/14/2023</a:t>
             </a:fld>
             <a:endParaRPr lang="en-US"/>
           </a:p>
@@ -457,7 +457,7 @@
           <a:p>
             <a:fld id="{B30ADAA9-12D7-4598-9FBD-452081D99B71}" type="datetimeFigureOut">
               <a:rPr lang="en-US" smtClean="0"/>
-              <a:t>6/30/2019</a:t>
+              <a:t>4/14/2023</a:t>
             </a:fld>
             <a:endParaRPr lang="en-US"/>
           </a:p>
@@ -665,7 +665,7 @@
           <a:p>
             <a:fld id="{B30ADAA9-12D7-4598-9FBD-452081D99B71}" type="datetimeFigureOut">
               <a:rPr lang="en-US" smtClean="0"/>
-              <a:t>6/30/2019</a:t>
+              <a:t>4/14/2023</a:t>
             </a:fld>
             <a:endParaRPr lang="en-US"/>
           </a:p>
@@ -863,7 +863,7 @@
           <a:p>
             <a:fld id="{B30ADAA9-12D7-4598-9FBD-452081D99B71}" type="datetimeFigureOut">
               <a:rPr lang="en-US" smtClean="0"/>
-              <a:t>6/30/2019</a:t>
+              <a:t>4/14/2023</a:t>
             </a:fld>
             <a:endParaRPr lang="en-US"/>
           </a:p>
@@ -1138,7 +1138,7 @@
           <a:p>
             <a:fld id="{B30ADAA9-12D7-4598-9FBD-452081D99B71}" type="datetimeFigureOut">
               <a:rPr lang="en-US" smtClean="0"/>
-              <a:t>6/30/2019</a:t>
+              <a:t>4/14/2023</a:t>
             </a:fld>
             <a:endParaRPr lang="en-US"/>
           </a:p>
@@ -1403,7 +1403,7 @@
           <a:p>
             <a:fld id="{B30ADAA9-12D7-4598-9FBD-452081D99B71}" type="datetimeFigureOut">
               <a:rPr lang="en-US" smtClean="0"/>
-              <a:t>6/30/2019</a:t>
+              <a:t>4/14/2023</a:t>
             </a:fld>
             <a:endParaRPr lang="en-US"/>
           </a:p>
@@ -1815,7 +1815,7 @@
           <a:p>
             <a:fld id="{B30ADAA9-12D7-4598-9FBD-452081D99B71}" type="datetimeFigureOut">
               <a:rPr lang="en-US" smtClean="0"/>
-              <a:t>6/30/2019</a:t>
+              <a:t>4/14/2023</a:t>
             </a:fld>
             <a:endParaRPr lang="en-US"/>
           </a:p>
@@ -1956,7 +1956,7 @@
           <a:p>
             <a:fld id="{B30ADAA9-12D7-4598-9FBD-452081D99B71}" type="datetimeFigureOut">
               <a:rPr lang="en-US" smtClean="0"/>
-              <a:t>6/30/2019</a:t>
+              <a:t>4/14/2023</a:t>
             </a:fld>
             <a:endParaRPr lang="en-US"/>
           </a:p>
@@ -2069,7 +2069,7 @@
           <a:p>
             <a:fld id="{B30ADAA9-12D7-4598-9FBD-452081D99B71}" type="datetimeFigureOut">
               <a:rPr lang="en-US" smtClean="0"/>
-              <a:t>6/30/2019</a:t>
+              <a:t>4/14/2023</a:t>
             </a:fld>
             <a:endParaRPr lang="en-US"/>
           </a:p>
@@ -2380,7 +2380,7 @@
           <a:p>
             <a:fld id="{B30ADAA9-12D7-4598-9FBD-452081D99B71}" type="datetimeFigureOut">
               <a:rPr lang="en-US" smtClean="0"/>
-              <a:t>6/30/2019</a:t>
+              <a:t>4/14/2023</a:t>
             </a:fld>
             <a:endParaRPr lang="en-US"/>
           </a:p>
@@ -2668,7 +2668,7 @@
           <a:p>
             <a:fld id="{B30ADAA9-12D7-4598-9FBD-452081D99B71}" type="datetimeFigureOut">
               <a:rPr lang="en-US" smtClean="0"/>
-              <a:t>6/30/2019</a:t>
+              <a:t>4/14/2023</a:t>
             </a:fld>
             <a:endParaRPr lang="en-US"/>
           </a:p>
@@ -2909,7 +2909,7 @@
           <a:p>
             <a:fld id="{B30ADAA9-12D7-4598-9FBD-452081D99B71}" type="datetimeFigureOut">
               <a:rPr lang="en-US" smtClean="0"/>
-              <a:t>6/30/2019</a:t>
+              <a:t>4/14/2023</a:t>
             </a:fld>
             <a:endParaRPr lang="en-US"/>
           </a:p>
@@ -3354,10 +3354,14 @@
           <a:lstStyle/>
           <a:p>
             <a:r>
-              <a:rPr lang="fi-FI" dirty="0"/>
+              <a:rPr lang="fi-FI" dirty="0">
+                <a:latin typeface="Accent SF" pitchFamily="2" charset="0"/>
+              </a:rPr>
               <a:t>Hello</a:t>
             </a:r>
-            <a:endParaRPr lang="en-US" dirty="0"/>
+            <a:endParaRPr lang="en-US" dirty="0">
+              <a:latin typeface="Accent SF" pitchFamily="2" charset="0"/>
+            </a:endParaRPr>
           </a:p>
         </p:txBody>
       </p:sp>
